--- a/01_doc/DigitalCameraDesignDocument.pptx
+++ b/01_doc/DigitalCameraDesignDocument.pptx
@@ -9,11 +9,11 @@
     <p:sldId id="297" r:id="rId3"/>
     <p:sldId id="286" r:id="rId4"/>
     <p:sldId id="283" r:id="rId5"/>
-    <p:sldId id="258" r:id="rId6"/>
-    <p:sldId id="284" r:id="rId7"/>
-    <p:sldId id="285" r:id="rId8"/>
-    <p:sldId id="280" r:id="rId9"/>
-    <p:sldId id="281" r:id="rId10"/>
+    <p:sldId id="320" r:id="rId6"/>
+    <p:sldId id="258" r:id="rId7"/>
+    <p:sldId id="281" r:id="rId8"/>
+    <p:sldId id="285" r:id="rId9"/>
+    <p:sldId id="280" r:id="rId10"/>
     <p:sldId id="287" r:id="rId11"/>
     <p:sldId id="288" r:id="rId12"/>
     <p:sldId id="290" r:id="rId13"/>
@@ -313,7 +313,7 @@
           <a:p>
             <a:fld id="{E80DD50C-1683-40E0-B4B8-5A0D03586FBA}" type="datetimeFigureOut">
               <a:rPr kumimoji="1" lang="ja-JP" altLang="en-US" smtClean="0"/>
-              <a:t>2017/8/31</a:t>
+              <a:t>2017/9/2</a:t>
             </a:fld>
             <a:endParaRPr kumimoji="1" lang="ja-JP" altLang="en-US"/>
           </a:p>
@@ -543,7 +543,7 @@
           <a:p>
             <a:fld id="{E80DD50C-1683-40E0-B4B8-5A0D03586FBA}" type="datetimeFigureOut">
               <a:rPr kumimoji="1" lang="ja-JP" altLang="en-US" smtClean="0"/>
-              <a:t>2017/8/31</a:t>
+              <a:t>2017/9/2</a:t>
             </a:fld>
             <a:endParaRPr kumimoji="1" lang="ja-JP" altLang="en-US"/>
           </a:p>
@@ -783,7 +783,7 @@
           <a:p>
             <a:fld id="{E80DD50C-1683-40E0-B4B8-5A0D03586FBA}" type="datetimeFigureOut">
               <a:rPr kumimoji="1" lang="ja-JP" altLang="en-US" smtClean="0"/>
-              <a:t>2017/8/31</a:t>
+              <a:t>2017/9/2</a:t>
             </a:fld>
             <a:endParaRPr kumimoji="1" lang="ja-JP" altLang="en-US"/>
           </a:p>
@@ -1013,7 +1013,7 @@
           <a:p>
             <a:fld id="{E80DD50C-1683-40E0-B4B8-5A0D03586FBA}" type="datetimeFigureOut">
               <a:rPr kumimoji="1" lang="ja-JP" altLang="en-US" smtClean="0"/>
-              <a:t>2017/8/31</a:t>
+              <a:t>2017/9/2</a:t>
             </a:fld>
             <a:endParaRPr kumimoji="1" lang="ja-JP" altLang="en-US"/>
           </a:p>
@@ -1288,7 +1288,7 @@
           <a:p>
             <a:fld id="{E80DD50C-1683-40E0-B4B8-5A0D03586FBA}" type="datetimeFigureOut">
               <a:rPr kumimoji="1" lang="ja-JP" altLang="en-US" smtClean="0"/>
-              <a:t>2017/8/31</a:t>
+              <a:t>2017/9/2</a:t>
             </a:fld>
             <a:endParaRPr kumimoji="1" lang="ja-JP" altLang="en-US"/>
           </a:p>
@@ -1617,7 +1617,7 @@
           <a:p>
             <a:fld id="{E80DD50C-1683-40E0-B4B8-5A0D03586FBA}" type="datetimeFigureOut">
               <a:rPr kumimoji="1" lang="ja-JP" altLang="en-US" smtClean="0"/>
-              <a:t>2017/8/31</a:t>
+              <a:t>2017/9/2</a:t>
             </a:fld>
             <a:endParaRPr kumimoji="1" lang="ja-JP" altLang="en-US"/>
           </a:p>
@@ -2093,7 +2093,7 @@
           <a:p>
             <a:fld id="{E80DD50C-1683-40E0-B4B8-5A0D03586FBA}" type="datetimeFigureOut">
               <a:rPr kumimoji="1" lang="ja-JP" altLang="en-US" smtClean="0"/>
-              <a:t>2017/8/31</a:t>
+              <a:t>2017/9/2</a:t>
             </a:fld>
             <a:endParaRPr kumimoji="1" lang="ja-JP" altLang="en-US"/>
           </a:p>
@@ -2234,7 +2234,7 @@
           <a:p>
             <a:fld id="{E80DD50C-1683-40E0-B4B8-5A0D03586FBA}" type="datetimeFigureOut">
               <a:rPr kumimoji="1" lang="ja-JP" altLang="en-US" smtClean="0"/>
-              <a:t>2017/8/31</a:t>
+              <a:t>2017/9/2</a:t>
             </a:fld>
             <a:endParaRPr kumimoji="1" lang="ja-JP" altLang="en-US"/>
           </a:p>
@@ -2347,7 +2347,7 @@
           <a:p>
             <a:fld id="{E80DD50C-1683-40E0-B4B8-5A0D03586FBA}" type="datetimeFigureOut">
               <a:rPr kumimoji="1" lang="ja-JP" altLang="en-US" smtClean="0"/>
-              <a:t>2017/8/31</a:t>
+              <a:t>2017/9/2</a:t>
             </a:fld>
             <a:endParaRPr kumimoji="1" lang="ja-JP" altLang="en-US"/>
           </a:p>
@@ -2690,7 +2690,7 @@
           <a:p>
             <a:fld id="{E80DD50C-1683-40E0-B4B8-5A0D03586FBA}" type="datetimeFigureOut">
               <a:rPr kumimoji="1" lang="ja-JP" altLang="en-US" smtClean="0"/>
-              <a:t>2017/8/31</a:t>
+              <a:t>2017/9/2</a:t>
             </a:fld>
             <a:endParaRPr kumimoji="1" lang="ja-JP" altLang="en-US"/>
           </a:p>
@@ -2978,7 +2978,7 @@
           <a:p>
             <a:fld id="{E80DD50C-1683-40E0-B4B8-5A0D03586FBA}" type="datetimeFigureOut">
               <a:rPr kumimoji="1" lang="ja-JP" altLang="en-US" smtClean="0"/>
-              <a:t>2017/8/31</a:t>
+              <a:t>2017/9/2</a:t>
             </a:fld>
             <a:endParaRPr kumimoji="1" lang="ja-JP" altLang="en-US"/>
           </a:p>
@@ -3251,7 +3251,7 @@
           <a:p>
             <a:fld id="{E80DD50C-1683-40E0-B4B8-5A0D03586FBA}" type="datetimeFigureOut">
               <a:rPr kumimoji="1" lang="ja-JP" altLang="en-US" smtClean="0"/>
-              <a:t>2017/8/31</a:t>
+              <a:t>2017/9/2</a:t>
             </a:fld>
             <a:endParaRPr kumimoji="1" lang="ja-JP" altLang="en-US"/>
           </a:p>
@@ -9582,19 +9582,19 @@
             </a:r>
           </a:p>
           <a:p>
-            <a:pPr marL="742950" lvl="1" indent="-285750">
-              <a:buFont typeface="Wingdings" panose="05000000000000000000" pitchFamily="2" charset="2"/>
-              <a:buChar char="Ø"/>
+            <a:pPr marL="914400" lvl="1" indent="-457200">
+              <a:buFont typeface="Arial" panose="020B0604020202020204" pitchFamily="34" charset="0"/>
+              <a:buChar char="•"/>
             </a:pPr>
             <a:r>
               <a:rPr lang="en-US" altLang="ja-JP" sz="3200" dirty="0"/>
-              <a:t>Hardware configurations</a:t>
-            </a:r>
-          </a:p>
-          <a:p>
-            <a:pPr marL="742950" lvl="1" indent="-285750">
-              <a:buFont typeface="Wingdings" panose="05000000000000000000" pitchFamily="2" charset="2"/>
-              <a:buChar char="Ø"/>
+              <a:t>Hardware Configurations</a:t>
+            </a:r>
+          </a:p>
+          <a:p>
+            <a:pPr marL="914400" lvl="1" indent="-457200">
+              <a:buFont typeface="Arial" panose="020B0604020202020204" pitchFamily="34" charset="0"/>
+              <a:buChar char="•"/>
             </a:pPr>
             <a:r>
               <a:rPr lang="en-US" altLang="ja-JP" sz="3200" dirty="0"/>
@@ -9606,7 +9606,7 @@
             </a:r>
             <a:r>
               <a:rPr lang="en-US" altLang="ja-JP" sz="3200" dirty="0"/>
-              <a:t>map</a:t>
+              <a:t>Map</a:t>
             </a:r>
           </a:p>
           <a:p>
@@ -40654,7 +40654,7 @@
                 <a:latin typeface="ＭＳ Ｐゴシック" panose="020B0600070205080204" pitchFamily="50" charset="-128"/>
                 <a:ea typeface="ＭＳ Ｐゴシック" panose="020B0600070205080204" pitchFamily="50" charset="-128"/>
               </a:rPr>
-              <a:t>Port map</a:t>
+              <a:t>Port Map</a:t>
             </a:r>
             <a:endParaRPr kumimoji="1" lang="ja-JP" altLang="en-US" dirty="0">
               <a:latin typeface="ＭＳ Ｐゴシック" panose="020B0600070205080204" pitchFamily="50" charset="-128"/>
@@ -40726,7 +40726,7 @@
                 <a:latin typeface="ＭＳ Ｐゴシック" panose="020B0600070205080204" pitchFamily="50" charset="-128"/>
                 <a:ea typeface="ＭＳ Ｐゴシック" panose="020B0600070205080204" pitchFamily="50" charset="-128"/>
               </a:rPr>
-              <a:t>Port map</a:t>
+              <a:t>Port Map</a:t>
             </a:r>
             <a:endParaRPr kumimoji="1" lang="ja-JP" altLang="en-US" dirty="0">
               <a:latin typeface="ＭＳ Ｐゴシック" panose="020B0600070205080204" pitchFamily="50" charset="-128"/>
@@ -47381,11 +47381,11 @@
           <a:lstStyle/>
           <a:p>
             <a:r>
-              <a:rPr lang="en-US" altLang="ja-JP" dirty="0">
+              <a:rPr kumimoji="1" lang="en-US" altLang="ja-JP" dirty="0">
                 <a:latin typeface="ＭＳ Ｐゴシック" panose="020B0600070205080204" pitchFamily="50" charset="-128"/>
                 <a:ea typeface="ＭＳ Ｐゴシック" panose="020B0600070205080204" pitchFamily="50" charset="-128"/>
               </a:rPr>
-              <a:t>Photos</a:t>
+              <a:t>Code and Documents</a:t>
             </a:r>
             <a:endParaRPr kumimoji="1" lang="ja-JP" altLang="en-US" dirty="0">
               <a:latin typeface="ＭＳ Ｐゴシック" panose="020B0600070205080204" pitchFamily="50" charset="-128"/>
@@ -47394,130 +47394,49 @@
           </a:p>
         </p:txBody>
       </p:sp>
-      <p:pic>
-        <p:nvPicPr>
-          <p:cNvPr id="10" name="図 9">
-            <a:extLst>
-              <a:ext uri="{FF2B5EF4-FFF2-40B4-BE49-F238E27FC236}">
-                <a16:creationId xmlns:a16="http://schemas.microsoft.com/office/drawing/2014/main" id="{92CCFFD5-AF57-4B1D-BFE1-651CA18FD9C2}"/>
-              </a:ext>
-            </a:extLst>
-          </p:cNvPr>
-          <p:cNvPicPr>
-            <a:picLocks noChangeAspect="1"/>
-          </p:cNvPicPr>
-          <p:nvPr/>
-        </p:nvPicPr>
-        <p:blipFill>
-          <a:blip r:embed="rId2"/>
-          <a:stretch>
-            <a:fillRect/>
-          </a:stretch>
-        </p:blipFill>
-        <p:spPr>
-          <a:xfrm>
-            <a:off x="1120422" y="1078232"/>
-            <a:ext cx="4063492" cy="2285714"/>
+      <p:sp>
+        <p:nvSpPr>
+          <p:cNvPr id="3" name="テキスト ボックス 2">
+            <a:extLst>
+              <a:ext uri="{FF2B5EF4-FFF2-40B4-BE49-F238E27FC236}">
+                <a16:creationId xmlns:a16="http://schemas.microsoft.com/office/drawing/2014/main" id="{0704AA90-EA6A-4984-A109-4842D269A7DC}"/>
+              </a:ext>
+            </a:extLst>
+          </p:cNvPr>
+          <p:cNvSpPr txBox="1"/>
+          <p:nvPr/>
+        </p:nvSpPr>
+        <p:spPr>
+          <a:xfrm>
+            <a:off x="1293090" y="1182253"/>
+            <a:ext cx="10060710" cy="461665"/>
           </a:xfrm>
           <a:prstGeom prst="rect">
             <a:avLst/>
           </a:prstGeom>
-        </p:spPr>
-      </p:pic>
-      <p:pic>
-        <p:nvPicPr>
-          <p:cNvPr id="11" name="図 10">
-            <a:extLst>
-              <a:ext uri="{FF2B5EF4-FFF2-40B4-BE49-F238E27FC236}">
-                <a16:creationId xmlns:a16="http://schemas.microsoft.com/office/drawing/2014/main" id="{E202334B-F29D-4091-A018-A4CBFFAB793C}"/>
-              </a:ext>
-            </a:extLst>
-          </p:cNvPr>
-          <p:cNvPicPr>
-            <a:picLocks noChangeAspect="1"/>
-          </p:cNvPicPr>
-          <p:nvPr/>
-        </p:nvPicPr>
-        <p:blipFill>
-          <a:blip r:embed="rId3"/>
-          <a:stretch>
-            <a:fillRect/>
-          </a:stretch>
-        </p:blipFill>
-        <p:spPr>
-          <a:xfrm>
-            <a:off x="6615543" y="1078232"/>
-            <a:ext cx="4063492" cy="2285714"/>
-          </a:xfrm>
-          <a:prstGeom prst="rect">
-            <a:avLst/>
-          </a:prstGeom>
-        </p:spPr>
-      </p:pic>
-      <p:pic>
-        <p:nvPicPr>
-          <p:cNvPr id="12" name="図 11">
-            <a:extLst>
-              <a:ext uri="{FF2B5EF4-FFF2-40B4-BE49-F238E27FC236}">
-                <a16:creationId xmlns:a16="http://schemas.microsoft.com/office/drawing/2014/main" id="{15BDFD5C-9824-42A9-ADE1-F92A0154C13F}"/>
-              </a:ext>
-            </a:extLst>
-          </p:cNvPr>
-          <p:cNvPicPr>
-            <a:picLocks noChangeAspect="1"/>
-          </p:cNvPicPr>
-          <p:nvPr/>
-        </p:nvPicPr>
-        <p:blipFill>
-          <a:blip r:embed="rId4"/>
-          <a:stretch>
-            <a:fillRect/>
-          </a:stretch>
-        </p:blipFill>
-        <p:spPr>
-          <a:xfrm>
-            <a:off x="6615543" y="3915162"/>
-            <a:ext cx="4063492" cy="2285714"/>
-          </a:xfrm>
-          <a:prstGeom prst="rect">
-            <a:avLst/>
-          </a:prstGeom>
-        </p:spPr>
-      </p:pic>
-      <p:pic>
-        <p:nvPicPr>
-          <p:cNvPr id="13" name="図 12">
-            <a:extLst>
-              <a:ext uri="{FF2B5EF4-FFF2-40B4-BE49-F238E27FC236}">
-                <a16:creationId xmlns:a16="http://schemas.microsoft.com/office/drawing/2014/main" id="{704EBF58-20EB-4CE1-86A4-6E21A4B962EB}"/>
-              </a:ext>
-            </a:extLst>
-          </p:cNvPr>
-          <p:cNvPicPr>
-            <a:picLocks noChangeAspect="1"/>
-          </p:cNvPicPr>
-          <p:nvPr/>
-        </p:nvPicPr>
-        <p:blipFill>
-          <a:blip r:embed="rId5"/>
-          <a:stretch>
-            <a:fillRect/>
-          </a:stretch>
-        </p:blipFill>
-        <p:spPr>
-          <a:xfrm>
-            <a:off x="1120422" y="3915162"/>
-            <a:ext cx="4063492" cy="2285714"/>
-          </a:xfrm>
-          <a:prstGeom prst="rect">
-            <a:avLst/>
-          </a:prstGeom>
-        </p:spPr>
-      </p:pic>
+          <a:noFill/>
+        </p:spPr>
+        <p:txBody>
+          <a:bodyPr wrap="square" rtlCol="0">
+            <a:spAutoFit/>
+          </a:bodyPr>
+          <a:lstStyle/>
+          <a:p>
+            <a:pPr marL="285750" indent="-285750">
+              <a:buFont typeface="Wingdings" panose="05000000000000000000" pitchFamily="2" charset="2"/>
+              <a:buChar char="Ø"/>
+            </a:pPr>
+            <a:r>
+              <a:rPr lang="en-US" altLang="ja-JP" sz="2400" dirty="0"/>
+              <a:t>https://github.com/take-iwiw/DigitalCamera_STM32</a:t>
+            </a:r>
+          </a:p>
+        </p:txBody>
+      </p:sp>
     </p:spTree>
     <p:extLst>
       <p:ext uri="{BB962C8B-B14F-4D97-AF65-F5344CB8AC3E}">
-        <p14:creationId xmlns:p14="http://schemas.microsoft.com/office/powerpoint/2010/main" val="650682507"/>
+        <p14:creationId xmlns:p14="http://schemas.microsoft.com/office/powerpoint/2010/main" val="2844376298"/>
       </p:ext>
     </p:extLst>
   </p:cSld>
@@ -47851,11 +47770,11 @@
           <a:lstStyle/>
           <a:p>
             <a:r>
-              <a:rPr kumimoji="1" lang="en-US" altLang="ja-JP" dirty="0">
+              <a:rPr lang="en-US" altLang="ja-JP" dirty="0">
                 <a:latin typeface="ＭＳ Ｐゴシック" panose="020B0600070205080204" pitchFamily="50" charset="-128"/>
                 <a:ea typeface="ＭＳ Ｐゴシック" panose="020B0600070205080204" pitchFamily="50" charset="-128"/>
               </a:rPr>
-              <a:t>Videos</a:t>
+              <a:t>Photos</a:t>
             </a:r>
             <a:endParaRPr kumimoji="1" lang="ja-JP" altLang="en-US" dirty="0">
               <a:latin typeface="ＭＳ Ｐゴシック" panose="020B0600070205080204" pitchFamily="50" charset="-128"/>
@@ -47864,12 +47783,193 @@
           </a:p>
         </p:txBody>
       </p:sp>
-      <p:sp>
-        <p:nvSpPr>
-          <p:cNvPr id="3" name="テキスト ボックス 2">
-            <a:extLst>
-              <a:ext uri="{FF2B5EF4-FFF2-40B4-BE49-F238E27FC236}">
-                <a16:creationId xmlns:a16="http://schemas.microsoft.com/office/drawing/2014/main" id="{0704AA90-EA6A-4984-A109-4842D269A7DC}"/>
+      <p:pic>
+        <p:nvPicPr>
+          <p:cNvPr id="10" name="図 9">
+            <a:extLst>
+              <a:ext uri="{FF2B5EF4-FFF2-40B4-BE49-F238E27FC236}">
+                <a16:creationId xmlns:a16="http://schemas.microsoft.com/office/drawing/2014/main" id="{92CCFFD5-AF57-4B1D-BFE1-651CA18FD9C2}"/>
+              </a:ext>
+            </a:extLst>
+          </p:cNvPr>
+          <p:cNvPicPr>
+            <a:picLocks noChangeAspect="1"/>
+          </p:cNvPicPr>
+          <p:nvPr/>
+        </p:nvPicPr>
+        <p:blipFill>
+          <a:blip r:embed="rId2"/>
+          <a:stretch>
+            <a:fillRect/>
+          </a:stretch>
+        </p:blipFill>
+        <p:spPr>
+          <a:xfrm>
+            <a:off x="1823156" y="973176"/>
+            <a:ext cx="3170669" cy="1783501"/>
+          </a:xfrm>
+          <a:prstGeom prst="rect">
+            <a:avLst/>
+          </a:prstGeom>
+        </p:spPr>
+      </p:pic>
+      <p:pic>
+        <p:nvPicPr>
+          <p:cNvPr id="11" name="図 10">
+            <a:extLst>
+              <a:ext uri="{FF2B5EF4-FFF2-40B4-BE49-F238E27FC236}">
+                <a16:creationId xmlns:a16="http://schemas.microsoft.com/office/drawing/2014/main" id="{E202334B-F29D-4091-A018-A4CBFFAB793C}"/>
+              </a:ext>
+            </a:extLst>
+          </p:cNvPr>
+          <p:cNvPicPr>
+            <a:picLocks noChangeAspect="1"/>
+          </p:cNvPicPr>
+          <p:nvPr/>
+        </p:nvPicPr>
+        <p:blipFill>
+          <a:blip r:embed="rId3"/>
+          <a:stretch>
+            <a:fillRect/>
+          </a:stretch>
+        </p:blipFill>
+        <p:spPr>
+          <a:xfrm>
+            <a:off x="5955143" y="973176"/>
+            <a:ext cx="3170669" cy="1783501"/>
+          </a:xfrm>
+          <a:prstGeom prst="rect">
+            <a:avLst/>
+          </a:prstGeom>
+        </p:spPr>
+      </p:pic>
+      <p:pic>
+        <p:nvPicPr>
+          <p:cNvPr id="12" name="図 11">
+            <a:extLst>
+              <a:ext uri="{FF2B5EF4-FFF2-40B4-BE49-F238E27FC236}">
+                <a16:creationId xmlns:a16="http://schemas.microsoft.com/office/drawing/2014/main" id="{15BDFD5C-9824-42A9-ADE1-F92A0154C13F}"/>
+              </a:ext>
+            </a:extLst>
+          </p:cNvPr>
+          <p:cNvPicPr>
+            <a:picLocks noChangeAspect="1"/>
+          </p:cNvPicPr>
+          <p:nvPr/>
+        </p:nvPicPr>
+        <p:blipFill>
+          <a:blip r:embed="rId4"/>
+          <a:stretch>
+            <a:fillRect/>
+          </a:stretch>
+        </p:blipFill>
+        <p:spPr>
+          <a:xfrm>
+            <a:off x="5955142" y="2912640"/>
+            <a:ext cx="3170669" cy="1783501"/>
+          </a:xfrm>
+          <a:prstGeom prst="rect">
+            <a:avLst/>
+          </a:prstGeom>
+        </p:spPr>
+      </p:pic>
+      <p:pic>
+        <p:nvPicPr>
+          <p:cNvPr id="13" name="図 12">
+            <a:extLst>
+              <a:ext uri="{FF2B5EF4-FFF2-40B4-BE49-F238E27FC236}">
+                <a16:creationId xmlns:a16="http://schemas.microsoft.com/office/drawing/2014/main" id="{704EBF58-20EB-4CE1-86A4-6E21A4B962EB}"/>
+              </a:ext>
+            </a:extLst>
+          </p:cNvPr>
+          <p:cNvPicPr>
+            <a:picLocks noChangeAspect="1"/>
+          </p:cNvPicPr>
+          <p:nvPr/>
+        </p:nvPicPr>
+        <p:blipFill>
+          <a:blip r:embed="rId5"/>
+          <a:stretch>
+            <a:fillRect/>
+          </a:stretch>
+        </p:blipFill>
+        <p:spPr>
+          <a:xfrm>
+            <a:off x="1823156" y="2912640"/>
+            <a:ext cx="3170669" cy="1783501"/>
+          </a:xfrm>
+          <a:prstGeom prst="rect">
+            <a:avLst/>
+          </a:prstGeom>
+        </p:spPr>
+      </p:pic>
+      <p:sp>
+        <p:nvSpPr>
+          <p:cNvPr id="7" name="タイトル 1">
+            <a:extLst>
+              <a:ext uri="{FF2B5EF4-FFF2-40B4-BE49-F238E27FC236}">
+                <a16:creationId xmlns:a16="http://schemas.microsoft.com/office/drawing/2014/main" id="{837A996D-02BC-4711-9979-7699C0F89F13}"/>
+              </a:ext>
+            </a:extLst>
+          </p:cNvPr>
+          <p:cNvSpPr txBox="1">
+            <a:spLocks/>
+          </p:cNvSpPr>
+          <p:nvPr/>
+        </p:nvSpPr>
+        <p:spPr>
+          <a:xfrm>
+            <a:off x="838200" y="4882656"/>
+            <a:ext cx="10515600" cy="628406"/>
+          </a:xfrm>
+          <a:prstGeom prst="rect">
+            <a:avLst/>
+          </a:prstGeom>
+        </p:spPr>
+        <p:txBody>
+          <a:bodyPr vert="horz" lIns="91440" tIns="45720" rIns="91440" bIns="45720" rtlCol="0" anchor="ctr">
+            <a:normAutofit fontScale="90000" lnSpcReduction="10000"/>
+          </a:bodyPr>
+          <a:lstStyle>
+            <a:lvl1pPr algn="l" defTabSz="914400" rtl="0" eaLnBrk="1" latinLnBrk="0" hangingPunct="1">
+              <a:lnSpc>
+                <a:spcPct val="90000"/>
+              </a:lnSpc>
+              <a:spcBef>
+                <a:spcPct val="0"/>
+              </a:spcBef>
+              <a:buNone/>
+              <a:defRPr kumimoji="1" sz="4400" kern="1200">
+                <a:solidFill>
+                  <a:schemeClr val="tx1"/>
+                </a:solidFill>
+                <a:latin typeface="+mj-lt"/>
+                <a:ea typeface="+mj-ea"/>
+                <a:cs typeface="+mj-cs"/>
+              </a:defRPr>
+            </a:lvl1pPr>
+          </a:lstStyle>
+          <a:p>
+            <a:r>
+              <a:rPr lang="en-US" altLang="ja-JP" dirty="0">
+                <a:latin typeface="ＭＳ Ｐゴシック" panose="020B0600070205080204" pitchFamily="50" charset="-128"/>
+                <a:ea typeface="ＭＳ Ｐゴシック" panose="020B0600070205080204" pitchFamily="50" charset="-128"/>
+              </a:rPr>
+              <a:t>Videos</a:t>
+            </a:r>
+            <a:endParaRPr lang="ja-JP" altLang="en-US" dirty="0">
+              <a:latin typeface="ＭＳ Ｐゴシック" panose="020B0600070205080204" pitchFamily="50" charset="-128"/>
+              <a:ea typeface="ＭＳ Ｐゴシック" panose="020B0600070205080204" pitchFamily="50" charset="-128"/>
+            </a:endParaRPr>
+          </a:p>
+        </p:txBody>
+      </p:sp>
+      <p:sp>
+        <p:nvSpPr>
+          <p:cNvPr id="8" name="テキスト ボックス 7">
+            <a:extLst>
+              <a:ext uri="{FF2B5EF4-FFF2-40B4-BE49-F238E27FC236}">
+                <a16:creationId xmlns:a16="http://schemas.microsoft.com/office/drawing/2014/main" id="{51068CD5-15A7-4DED-B451-9E3327D42E25}"/>
               </a:ext>
             </a:extLst>
           </p:cNvPr>
@@ -47878,8 +47978,8 @@
         </p:nvSpPr>
         <p:spPr>
           <a:xfrm>
-            <a:off x="1293090" y="1182253"/>
-            <a:ext cx="8608291" cy="461665"/>
+            <a:off x="1293090" y="5511062"/>
+            <a:ext cx="10060710" cy="461665"/>
           </a:xfrm>
           <a:prstGeom prst="rect">
             <a:avLst/>
@@ -47898,15 +47998,7 @@
             </a:pPr>
             <a:r>
               <a:rPr lang="en-US" altLang="ja-JP" sz="2400" dirty="0"/>
-              <a:t>Links to </a:t>
-            </a:r>
-            <a:r>
-              <a:rPr lang="en-US" altLang="ja-JP" sz="2400" dirty="0" err="1"/>
-              <a:t>youtube</a:t>
-            </a:r>
-            <a:r>
-              <a:rPr lang="en-US" altLang="ja-JP" sz="2400" dirty="0"/>
-              <a:t> to be here</a:t>
+              <a:t>T.B.D links to YouTube</a:t>
             </a:r>
           </a:p>
         </p:txBody>
@@ -47914,7 +48006,7 @@
     </p:spTree>
     <p:extLst>
       <p:ext uri="{BB962C8B-B14F-4D97-AF65-F5344CB8AC3E}">
-        <p14:creationId xmlns:p14="http://schemas.microsoft.com/office/powerpoint/2010/main" val="3340515248"/>
+        <p14:creationId xmlns:p14="http://schemas.microsoft.com/office/powerpoint/2010/main" val="650682507"/>
       </p:ext>
     </p:extLst>
   </p:cSld>
@@ -47943,10 +48035,10 @@
       </p:grpSpPr>
       <p:pic>
         <p:nvPicPr>
-          <p:cNvPr id="5" name="図 4">
-            <a:extLst>
-              <a:ext uri="{FF2B5EF4-FFF2-40B4-BE49-F238E27FC236}">
-                <a16:creationId xmlns:a16="http://schemas.microsoft.com/office/drawing/2014/main" id="{07CD1BD9-8873-45E6-BADB-045C1D57FAA5}"/>
+          <p:cNvPr id="11" name="図 10">
+            <a:extLst>
+              <a:ext uri="{FF2B5EF4-FFF2-40B4-BE49-F238E27FC236}">
+                <a16:creationId xmlns:a16="http://schemas.microsoft.com/office/drawing/2014/main" id="{70BCABE1-4D6F-40D2-9594-017A760F007C}"/>
               </a:ext>
             </a:extLst>
           </p:cNvPr>
@@ -47956,21 +48048,15 @@
           <p:nvPr/>
         </p:nvPicPr>
         <p:blipFill>
-          <a:blip r:embed="rId2">
-            <a:extLst>
-              <a:ext uri="{28A0092B-C50C-407E-A947-70E740481C1C}">
-                <a14:useLocalDpi xmlns:a14="http://schemas.microsoft.com/office/drawing/2010/main" val="0"/>
-              </a:ext>
-            </a:extLst>
-          </a:blip>
+          <a:blip r:embed="rId2"/>
           <a:stretch>
             <a:fillRect/>
           </a:stretch>
         </p:blipFill>
         <p:spPr>
           <a:xfrm>
-            <a:off x="722314" y="1298221"/>
-            <a:ext cx="2955712" cy="2664177"/>
+            <a:off x="92506" y="1639668"/>
+            <a:ext cx="7151549" cy="4022746"/>
           </a:xfrm>
           <a:prstGeom prst="rect">
             <a:avLst/>
@@ -48010,7 +48096,7 @@
                 <a:latin typeface="ＭＳ Ｐゴシック" panose="020B0600070205080204" pitchFamily="50" charset="-128"/>
                 <a:ea typeface="ＭＳ Ｐゴシック" panose="020B0600070205080204" pitchFamily="50" charset="-128"/>
               </a:rPr>
-              <a:t>Key Components</a:t>
+              <a:t>Control</a:t>
             </a:r>
             <a:endParaRPr kumimoji="1" lang="ja-JP" altLang="en-US" dirty="0">
               <a:latin typeface="ＭＳ Ｐゴシック" panose="020B0600070205080204" pitchFamily="50" charset="-128"/>
@@ -48021,285 +48107,297 @@
       </p:sp>
       <p:sp>
         <p:nvSpPr>
-          <p:cNvPr id="3" name="テキスト ボックス 2">
-            <a:extLst>
-              <a:ext uri="{FF2B5EF4-FFF2-40B4-BE49-F238E27FC236}">
-                <a16:creationId xmlns:a16="http://schemas.microsoft.com/office/drawing/2014/main" id="{0704AA90-EA6A-4984-A109-4842D269A7DC}"/>
-              </a:ext>
-            </a:extLst>
-          </p:cNvPr>
-          <p:cNvSpPr txBox="1"/>
-          <p:nvPr/>
-        </p:nvSpPr>
-        <p:spPr>
-          <a:xfrm>
-            <a:off x="95444" y="4137555"/>
-            <a:ext cx="4679758" cy="1569660"/>
-          </a:xfrm>
-          <a:prstGeom prst="rect">
-            <a:avLst/>
-          </a:prstGeom>
-          <a:noFill/>
-        </p:spPr>
-        <p:txBody>
-          <a:bodyPr wrap="square" rtlCol="0">
+          <p:cNvPr id="5" name="吹き出し: 折線 4">
+            <a:extLst>
+              <a:ext uri="{FF2B5EF4-FFF2-40B4-BE49-F238E27FC236}">
+                <a16:creationId xmlns:a16="http://schemas.microsoft.com/office/drawing/2014/main" id="{D007FAFA-5EED-40D4-8613-6523F4B481DF}"/>
+              </a:ext>
+            </a:extLst>
+          </p:cNvPr>
+          <p:cNvSpPr/>
+          <p:nvPr/>
+        </p:nvSpPr>
+        <p:spPr>
+          <a:xfrm>
+            <a:off x="5312849" y="1030859"/>
+            <a:ext cx="1355629" cy="461665"/>
+          </a:xfrm>
+          <a:prstGeom prst="borderCallout2">
+            <a:avLst>
+              <a:gd name="adj1" fmla="val 18750"/>
+              <a:gd name="adj2" fmla="val -8333"/>
+              <a:gd name="adj3" fmla="val 18750"/>
+              <a:gd name="adj4" fmla="val -16667"/>
+              <a:gd name="adj5" fmla="val 210667"/>
+              <a:gd name="adj6" fmla="val -59639"/>
+            </a:avLst>
+          </a:prstGeom>
+          <a:ln w="38100">
+            <a:solidFill>
+              <a:schemeClr val="accent1"/>
+            </a:solidFill>
+          </a:ln>
+        </p:spPr>
+        <p:style>
+          <a:lnRef idx="2">
+            <a:schemeClr val="accent1">
+              <a:shade val="50000"/>
+            </a:schemeClr>
+          </a:lnRef>
+          <a:fillRef idx="1">
+            <a:schemeClr val="accent1"/>
+          </a:fillRef>
+          <a:effectRef idx="0">
+            <a:schemeClr val="accent1"/>
+          </a:effectRef>
+          <a:fontRef idx="minor">
+            <a:schemeClr val="lt1"/>
+          </a:fontRef>
+        </p:style>
+        <p:txBody>
+          <a:bodyPr rtlCol="0" anchor="ctr">
             <a:spAutoFit/>
           </a:bodyPr>
           <a:lstStyle/>
           <a:p>
-            <a:pPr marL="285750" indent="-285750">
-              <a:buFont typeface="Wingdings" panose="05000000000000000000" pitchFamily="2" charset="2"/>
-              <a:buChar char="Ø"/>
-            </a:pPr>
-            <a:r>
-              <a:rPr lang="en-US" altLang="ja-JP" sz="2400" dirty="0">
-                <a:solidFill>
-                  <a:srgbClr val="0000FF"/>
-                </a:solidFill>
-              </a:rPr>
-              <a:t>STM32F4 Discovery Board</a:t>
-            </a:r>
-          </a:p>
-          <a:p>
-            <a:pPr marL="800100" lvl="1" indent="-342900">
-              <a:buFont typeface="Arial" panose="020B0604020202020204" pitchFamily="34" charset="0"/>
-              <a:buChar char="•"/>
-            </a:pPr>
             <a:r>
               <a:rPr lang="en-US" altLang="ja-JP" sz="2400" dirty="0"/>
-              <a:t>STM32F407VGT (Cortex-M4)</a:t>
-            </a:r>
-          </a:p>
-          <a:p>
-            <a:pPr marL="800100" lvl="1" indent="-342900">
-              <a:buFont typeface="Arial" panose="020B0604020202020204" pitchFamily="34" charset="0"/>
-              <a:buChar char="•"/>
-            </a:pPr>
-            <a:r>
-              <a:rPr lang="en-US" altLang="ja-JP" sz="2400" dirty="0"/>
-              <a:t>1-Mbyte Flash memory</a:t>
-            </a:r>
-          </a:p>
-          <a:p>
-            <a:pPr marL="800100" lvl="1" indent="-342900">
-              <a:buFont typeface="Arial" panose="020B0604020202020204" pitchFamily="34" charset="0"/>
-              <a:buChar char="•"/>
-            </a:pPr>
-            <a:r>
-              <a:rPr lang="en-US" altLang="ja-JP" sz="2400" dirty="0"/>
-              <a:t>192-Kbyte RAM</a:t>
-            </a:r>
-          </a:p>
-        </p:txBody>
-      </p:sp>
-      <p:pic>
-        <p:nvPicPr>
-          <p:cNvPr id="7" name="図 6">
-            <a:extLst>
-              <a:ext uri="{FF2B5EF4-FFF2-40B4-BE49-F238E27FC236}">
-                <a16:creationId xmlns:a16="http://schemas.microsoft.com/office/drawing/2014/main" id="{DA9C1679-CC2A-41D8-A9B9-CFEAC21CA235}"/>
-              </a:ext>
-            </a:extLst>
-          </p:cNvPr>
-          <p:cNvPicPr>
-            <a:picLocks noChangeAspect="1"/>
-          </p:cNvPicPr>
-          <p:nvPr/>
-        </p:nvPicPr>
-        <p:blipFill>
-          <a:blip r:embed="rId3">
-            <a:extLst>
-              <a:ext uri="{28A0092B-C50C-407E-A947-70E740481C1C}">
-                <a14:useLocalDpi xmlns:a14="http://schemas.microsoft.com/office/drawing/2010/main" val="0"/>
-              </a:ext>
-            </a:extLst>
-          </a:blip>
-          <a:stretch>
-            <a:fillRect/>
-          </a:stretch>
-        </p:blipFill>
-        <p:spPr>
-          <a:xfrm>
-            <a:off x="5215306" y="1677809"/>
-            <a:ext cx="2381250" cy="1905000"/>
-          </a:xfrm>
-          <a:prstGeom prst="rect">
-            <a:avLst/>
-          </a:prstGeom>
-        </p:spPr>
-      </p:pic>
-      <p:sp>
-        <p:nvSpPr>
-          <p:cNvPr id="8" name="テキスト ボックス 7">
-            <a:extLst>
-              <a:ext uri="{FF2B5EF4-FFF2-40B4-BE49-F238E27FC236}">
-                <a16:creationId xmlns:a16="http://schemas.microsoft.com/office/drawing/2014/main" id="{04480F88-0B4D-47D3-9353-705FD92A1AD4}"/>
-              </a:ext>
-            </a:extLst>
-          </p:cNvPr>
-          <p:cNvSpPr txBox="1"/>
-          <p:nvPr/>
-        </p:nvSpPr>
-        <p:spPr>
-          <a:xfrm>
-            <a:off x="5012268" y="4137554"/>
-            <a:ext cx="3512896" cy="1938992"/>
-          </a:xfrm>
-          <a:prstGeom prst="rect">
-            <a:avLst/>
-          </a:prstGeom>
-          <a:noFill/>
-        </p:spPr>
-        <p:txBody>
-          <a:bodyPr wrap="square" rtlCol="0">
+              <a:t>SD Card</a:t>
+            </a:r>
+            <a:endParaRPr kumimoji="1" lang="ja-JP" altLang="en-US" sz="2400" dirty="0"/>
+          </a:p>
+        </p:txBody>
+      </p:sp>
+      <p:sp>
+        <p:nvSpPr>
+          <p:cNvPr id="6" name="吹き出し: 折線 5">
+            <a:extLst>
+              <a:ext uri="{FF2B5EF4-FFF2-40B4-BE49-F238E27FC236}">
+                <a16:creationId xmlns:a16="http://schemas.microsoft.com/office/drawing/2014/main" id="{233E1BCF-74EC-4AC2-8039-F1C1C73E2C21}"/>
+              </a:ext>
+            </a:extLst>
+          </p:cNvPr>
+          <p:cNvSpPr/>
+          <p:nvPr/>
+        </p:nvSpPr>
+        <p:spPr>
+          <a:xfrm>
+            <a:off x="8237477" y="1408836"/>
+            <a:ext cx="2092304" cy="461665"/>
+          </a:xfrm>
+          <a:prstGeom prst="borderCallout2">
+            <a:avLst>
+              <a:gd name="adj1" fmla="val 18750"/>
+              <a:gd name="adj2" fmla="val -8333"/>
+              <a:gd name="adj3" fmla="val 18750"/>
+              <a:gd name="adj4" fmla="val -16667"/>
+              <a:gd name="adj5" fmla="val 376069"/>
+              <a:gd name="adj6" fmla="val -107505"/>
+            </a:avLst>
+          </a:prstGeom>
+          <a:ln w="38100">
+            <a:solidFill>
+              <a:schemeClr val="accent1"/>
+            </a:solidFill>
+          </a:ln>
+        </p:spPr>
+        <p:style>
+          <a:lnRef idx="2">
+            <a:schemeClr val="accent1">
+              <a:shade val="50000"/>
+            </a:schemeClr>
+          </a:lnRef>
+          <a:fillRef idx="1">
+            <a:schemeClr val="accent1"/>
+          </a:fillRef>
+          <a:effectRef idx="0">
+            <a:schemeClr val="accent1"/>
+          </a:effectRef>
+          <a:fontRef idx="minor">
+            <a:schemeClr val="lt1"/>
+          </a:fontRef>
+        </p:style>
+        <p:txBody>
+          <a:bodyPr wrap="none" rtlCol="0" anchor="ctr">
             <a:spAutoFit/>
           </a:bodyPr>
           <a:lstStyle/>
           <a:p>
-            <a:pPr marL="285750" indent="-285750">
-              <a:buFont typeface="Wingdings" panose="05000000000000000000" pitchFamily="2" charset="2"/>
-              <a:buChar char="Ø"/>
-            </a:pPr>
-            <a:r>
-              <a:rPr lang="en-US" altLang="ja-JP" sz="2400" dirty="0">
-                <a:solidFill>
-                  <a:srgbClr val="0000FF"/>
-                </a:solidFill>
-              </a:rPr>
-              <a:t>Display module</a:t>
-            </a:r>
-          </a:p>
-          <a:p>
-            <a:pPr marL="800100" lvl="1" indent="-342900">
-              <a:buFont typeface="Arial" panose="020B0604020202020204" pitchFamily="34" charset="0"/>
-              <a:buChar char="•"/>
-            </a:pPr>
             <a:r>
               <a:rPr lang="en-US" altLang="ja-JP" sz="2400" dirty="0"/>
-              <a:t>3.2 inch LCD</a:t>
-            </a:r>
-          </a:p>
-          <a:p>
-            <a:pPr marL="800100" lvl="1" indent="-342900">
-              <a:buFont typeface="Arial" panose="020B0604020202020204" pitchFamily="34" charset="0"/>
-              <a:buChar char="•"/>
-            </a:pPr>
-            <a:r>
-              <a:rPr lang="en-US" altLang="ja-JP" sz="2400" dirty="0"/>
-              <a:t>ILI9341 controller</a:t>
-            </a:r>
-          </a:p>
-          <a:p>
-            <a:pPr marL="800100" lvl="1" indent="-342900">
-              <a:buFont typeface="Arial" panose="020B0604020202020204" pitchFamily="34" charset="0"/>
-              <a:buChar char="•"/>
-            </a:pPr>
-            <a:r>
-              <a:rPr lang="en-US" altLang="ja-JP" sz="2400" dirty="0"/>
-              <a:t>16-bit parallel I/F</a:t>
-            </a:r>
-          </a:p>
-          <a:p>
-            <a:pPr marL="800100" lvl="1" indent="-342900">
-              <a:buFont typeface="Arial" panose="020B0604020202020204" pitchFamily="34" charset="0"/>
-              <a:buChar char="•"/>
-            </a:pPr>
-            <a:r>
-              <a:rPr lang="en-US" altLang="ja-JP" sz="2400" dirty="0"/>
-              <a:t>SD Card socket</a:t>
-            </a:r>
-          </a:p>
-        </p:txBody>
-      </p:sp>
-      <p:pic>
-        <p:nvPicPr>
-          <p:cNvPr id="9" name="図 8">
-            <a:extLst>
-              <a:ext uri="{FF2B5EF4-FFF2-40B4-BE49-F238E27FC236}">
-                <a16:creationId xmlns:a16="http://schemas.microsoft.com/office/drawing/2014/main" id="{DEFA21F4-A4AD-4B6A-971D-260A7E1EF0DB}"/>
-              </a:ext>
-            </a:extLst>
-          </p:cNvPr>
-          <p:cNvPicPr>
-            <a:picLocks noChangeAspect="1"/>
-          </p:cNvPicPr>
-          <p:nvPr/>
-        </p:nvPicPr>
-        <p:blipFill>
-          <a:blip r:embed="rId4"/>
-          <a:stretch>
-            <a:fillRect/>
-          </a:stretch>
-        </p:blipFill>
-        <p:spPr>
-          <a:xfrm>
-            <a:off x="8986055" y="1298221"/>
-            <a:ext cx="2563813" cy="2276984"/>
-          </a:xfrm>
-          <a:prstGeom prst="rect">
-            <a:avLst/>
-          </a:prstGeom>
-        </p:spPr>
-      </p:pic>
-      <p:sp>
-        <p:nvSpPr>
-          <p:cNvPr id="10" name="テキスト ボックス 9">
-            <a:extLst>
-              <a:ext uri="{FF2B5EF4-FFF2-40B4-BE49-F238E27FC236}">
-                <a16:creationId xmlns:a16="http://schemas.microsoft.com/office/drawing/2014/main" id="{76FC0B9F-7CDB-454A-BF0C-4D87640D40AF}"/>
-              </a:ext>
-            </a:extLst>
-          </p:cNvPr>
-          <p:cNvSpPr txBox="1"/>
-          <p:nvPr/>
-        </p:nvSpPr>
-        <p:spPr>
-          <a:xfrm>
-            <a:off x="8426642" y="4070008"/>
-            <a:ext cx="3512896" cy="1200329"/>
-          </a:xfrm>
-          <a:prstGeom prst="rect">
-            <a:avLst/>
-          </a:prstGeom>
-          <a:noFill/>
-        </p:spPr>
-        <p:txBody>
-          <a:bodyPr wrap="square" rtlCol="0">
+              <a:t>Capture button</a:t>
+            </a:r>
+            <a:endParaRPr kumimoji="1" lang="ja-JP" altLang="en-US" sz="2400" dirty="0"/>
+          </a:p>
+        </p:txBody>
+      </p:sp>
+      <p:sp>
+        <p:nvSpPr>
+          <p:cNvPr id="8" name="吹き出し: 折線 7">
+            <a:extLst>
+              <a:ext uri="{FF2B5EF4-FFF2-40B4-BE49-F238E27FC236}">
+                <a16:creationId xmlns:a16="http://schemas.microsoft.com/office/drawing/2014/main" id="{229E5AF4-7E7A-496B-AB0C-13D0A491B290}"/>
+              </a:ext>
+            </a:extLst>
+          </p:cNvPr>
+          <p:cNvSpPr/>
+          <p:nvPr/>
+        </p:nvSpPr>
+        <p:spPr>
+          <a:xfrm>
+            <a:off x="7881001" y="6046025"/>
+            <a:ext cx="2805255" cy="461665"/>
+          </a:xfrm>
+          <a:prstGeom prst="borderCallout2">
+            <a:avLst>
+              <a:gd name="adj1" fmla="val 18750"/>
+              <a:gd name="adj2" fmla="val -8333"/>
+              <a:gd name="adj3" fmla="val 18750"/>
+              <a:gd name="adj4" fmla="val -16667"/>
+              <a:gd name="adj5" fmla="val -344837"/>
+              <a:gd name="adj6" fmla="val -63817"/>
+            </a:avLst>
+          </a:prstGeom>
+          <a:ln w="38100">
+            <a:solidFill>
+              <a:schemeClr val="accent1"/>
+            </a:solidFill>
+          </a:ln>
+        </p:spPr>
+        <p:style>
+          <a:lnRef idx="2">
+            <a:schemeClr val="accent1">
+              <a:shade val="50000"/>
+            </a:schemeClr>
+          </a:lnRef>
+          <a:fillRef idx="1">
+            <a:schemeClr val="accent1"/>
+          </a:fillRef>
+          <a:effectRef idx="0">
+            <a:schemeClr val="accent1"/>
+          </a:effectRef>
+          <a:fontRef idx="minor">
+            <a:schemeClr val="lt1"/>
+          </a:fontRef>
+        </p:style>
+        <p:txBody>
+          <a:bodyPr wrap="none" rtlCol="0" anchor="ctr">
             <a:spAutoFit/>
           </a:bodyPr>
           <a:lstStyle/>
           <a:p>
-            <a:pPr marL="285750" indent="-285750">
-              <a:buFont typeface="Wingdings" panose="05000000000000000000" pitchFamily="2" charset="2"/>
-              <a:buChar char="Ø"/>
-            </a:pPr>
-            <a:r>
-              <a:rPr lang="en-US" altLang="ja-JP" sz="2400" dirty="0">
-                <a:solidFill>
-                  <a:srgbClr val="0000FF"/>
-                </a:solidFill>
-              </a:rPr>
-              <a:t>Camera module</a:t>
-            </a:r>
-          </a:p>
-          <a:p>
-            <a:pPr marL="800100" lvl="1" indent="-342900">
-              <a:buFont typeface="Arial" panose="020B0604020202020204" pitchFamily="34" charset="0"/>
-              <a:buChar char="•"/>
-            </a:pPr>
             <a:r>
               <a:rPr lang="en-US" altLang="ja-JP" sz="2400" dirty="0"/>
-              <a:t>OV7670</a:t>
-            </a:r>
-          </a:p>
-          <a:p>
-            <a:pPr marL="800100" lvl="1" indent="-342900">
-              <a:buFont typeface="Arial" panose="020B0604020202020204" pitchFamily="34" charset="0"/>
-              <a:buChar char="•"/>
-            </a:pPr>
+              <a:t>Mode change button</a:t>
+            </a:r>
+            <a:endParaRPr kumimoji="1" lang="ja-JP" altLang="en-US" sz="2400" dirty="0"/>
+          </a:p>
+        </p:txBody>
+      </p:sp>
+      <p:sp>
+        <p:nvSpPr>
+          <p:cNvPr id="9" name="吹き出し: 折線 8">
+            <a:extLst>
+              <a:ext uri="{FF2B5EF4-FFF2-40B4-BE49-F238E27FC236}">
+                <a16:creationId xmlns:a16="http://schemas.microsoft.com/office/drawing/2014/main" id="{84FEDA93-9A96-4DF3-8A6D-71B8E72787EE}"/>
+              </a:ext>
+            </a:extLst>
+          </p:cNvPr>
+          <p:cNvSpPr/>
+          <p:nvPr/>
+        </p:nvSpPr>
+        <p:spPr>
+          <a:xfrm>
+            <a:off x="8146196" y="2562264"/>
+            <a:ext cx="3788088" cy="1938992"/>
+          </a:xfrm>
+          <a:prstGeom prst="borderCallout2">
+            <a:avLst>
+              <a:gd name="adj1" fmla="val 18750"/>
+              <a:gd name="adj2" fmla="val -8333"/>
+              <a:gd name="adj3" fmla="val 18750"/>
+              <a:gd name="adj4" fmla="val -16667"/>
+              <a:gd name="adj5" fmla="val 62780"/>
+              <a:gd name="adj6" fmla="val -59093"/>
+            </a:avLst>
+          </a:prstGeom>
+          <a:ln w="38100">
+            <a:solidFill>
+              <a:schemeClr val="accent1"/>
+            </a:solidFill>
+          </a:ln>
+        </p:spPr>
+        <p:style>
+          <a:lnRef idx="2">
+            <a:schemeClr val="accent1">
+              <a:shade val="50000"/>
+            </a:schemeClr>
+          </a:lnRef>
+          <a:fillRef idx="1">
+            <a:schemeClr val="accent1"/>
+          </a:fillRef>
+          <a:effectRef idx="0">
+            <a:schemeClr val="accent1"/>
+          </a:effectRef>
+          <a:fontRef idx="minor">
+            <a:schemeClr val="lt1"/>
+          </a:fontRef>
+        </p:style>
+        <p:txBody>
+          <a:bodyPr wrap="none" rtlCol="0" anchor="ctr">
+            <a:spAutoFit/>
+          </a:bodyPr>
+          <a:lstStyle/>
+          <a:p>
             <a:r>
               <a:rPr lang="en-US" altLang="ja-JP" sz="2400" dirty="0"/>
-              <a:t>Without FIFO</a:t>
+              <a:t>Button</a:t>
+            </a:r>
+          </a:p>
+          <a:p>
+            <a:r>
+              <a:rPr lang="en-US" altLang="ja-JP" dirty="0"/>
+              <a:t>    Movie Record @ </a:t>
+            </a:r>
+            <a:r>
+              <a:rPr lang="en-US" altLang="ja-JP" dirty="0" err="1"/>
+              <a:t>Liveview</a:t>
+            </a:r>
+            <a:r>
+              <a:rPr lang="en-US" altLang="ja-JP" dirty="0"/>
+              <a:t> mode</a:t>
+            </a:r>
+          </a:p>
+          <a:p>
+            <a:r>
+              <a:rPr lang="en-US" altLang="ja-JP" dirty="0"/>
+              <a:t>    Movie Play/Pause @ Playback mode</a:t>
+            </a:r>
+          </a:p>
+          <a:p>
+            <a:r>
+              <a:rPr lang="en-US" altLang="ja-JP" sz="2400" dirty="0"/>
+              <a:t>Dial</a:t>
+            </a:r>
+          </a:p>
+          <a:p>
+            <a:r>
+              <a:rPr lang="en-US" altLang="ja-JP" dirty="0"/>
+              <a:t>   JPEG Quality @ </a:t>
+            </a:r>
+            <a:r>
+              <a:rPr lang="en-US" altLang="ja-JP" dirty="0" err="1"/>
+              <a:t>Liveview</a:t>
+            </a:r>
+            <a:r>
+              <a:rPr lang="en-US" altLang="ja-JP" dirty="0"/>
+              <a:t> mode</a:t>
+            </a:r>
+          </a:p>
+          <a:p>
+            <a:r>
+              <a:rPr lang="en-US" altLang="ja-JP" dirty="0"/>
+              <a:t>   Next content @ Playback mode</a:t>
             </a:r>
           </a:p>
         </p:txBody>
@@ -48307,7 +48405,7 @@
     </p:spTree>
     <p:extLst>
       <p:ext uri="{BB962C8B-B14F-4D97-AF65-F5344CB8AC3E}">
-        <p14:creationId xmlns:p14="http://schemas.microsoft.com/office/powerpoint/2010/main" val="265584121"/>
+        <p14:creationId xmlns:p14="http://schemas.microsoft.com/office/powerpoint/2010/main" val="3032491083"/>
       </p:ext>
     </p:extLst>
   </p:cSld>
@@ -48334,6 +48432,42 @@
           <a:chExt cx="0" cy="0"/>
         </a:xfrm>
       </p:grpSpPr>
+      <p:pic>
+        <p:nvPicPr>
+          <p:cNvPr id="5" name="図 4">
+            <a:extLst>
+              <a:ext uri="{FF2B5EF4-FFF2-40B4-BE49-F238E27FC236}">
+                <a16:creationId xmlns:a16="http://schemas.microsoft.com/office/drawing/2014/main" id="{07CD1BD9-8873-45E6-BADB-045C1D57FAA5}"/>
+              </a:ext>
+            </a:extLst>
+          </p:cNvPr>
+          <p:cNvPicPr>
+            <a:picLocks noChangeAspect="1"/>
+          </p:cNvPicPr>
+          <p:nvPr/>
+        </p:nvPicPr>
+        <p:blipFill>
+          <a:blip r:embed="rId2">
+            <a:extLst>
+              <a:ext uri="{28A0092B-C50C-407E-A947-70E740481C1C}">
+                <a14:useLocalDpi xmlns:a14="http://schemas.microsoft.com/office/drawing/2010/main" val="0"/>
+              </a:ext>
+            </a:extLst>
+          </a:blip>
+          <a:stretch>
+            <a:fillRect/>
+          </a:stretch>
+        </p:blipFill>
+        <p:spPr>
+          <a:xfrm>
+            <a:off x="722314" y="1298221"/>
+            <a:ext cx="2955712" cy="2664177"/>
+          </a:xfrm>
+          <a:prstGeom prst="rect">
+            <a:avLst/>
+          </a:prstGeom>
+        </p:spPr>
+      </p:pic>
       <p:sp>
         <p:nvSpPr>
           <p:cNvPr id="2" name="タイトル 1">
@@ -48367,7 +48501,7 @@
                 <a:latin typeface="ＭＳ Ｐゴシック" panose="020B0600070205080204" pitchFamily="50" charset="-128"/>
                 <a:ea typeface="ＭＳ Ｐゴシック" panose="020B0600070205080204" pitchFamily="50" charset="-128"/>
               </a:rPr>
-              <a:t>Specifications</a:t>
+              <a:t>Key Components</a:t>
             </a:r>
             <a:endParaRPr kumimoji="1" lang="ja-JP" altLang="en-US" dirty="0">
               <a:latin typeface="ＭＳ Ｐゴシック" panose="020B0600070205080204" pitchFamily="50" charset="-128"/>
@@ -48390,8 +48524,8 @@
         </p:nvSpPr>
         <p:spPr>
           <a:xfrm>
-            <a:off x="1293090" y="1182253"/>
-            <a:ext cx="8608291" cy="5016758"/>
+            <a:off x="95444" y="4137555"/>
+            <a:ext cx="4679758" cy="1569660"/>
           </a:xfrm>
           <a:prstGeom prst="rect">
             <a:avLst/>
@@ -48409,112 +48543,234 @@
               <a:buChar char="Ø"/>
             </a:pPr>
             <a:r>
-              <a:rPr lang="en-US" altLang="ja-JP" sz="2000" b="1" dirty="0">
+              <a:rPr lang="en-US" altLang="ja-JP" sz="2400" dirty="0">
                 <a:solidFill>
                   <a:srgbClr val="0000FF"/>
                 </a:solidFill>
               </a:rPr>
-              <a:t>Still photo capture</a:t>
-            </a:r>
-          </a:p>
-          <a:p>
-            <a:pPr marL="914400" lvl="1" indent="-457200">
+              <a:t>STM32F4 Discovery Board</a:t>
+            </a:r>
+          </a:p>
+          <a:p>
+            <a:pPr marL="800100" lvl="1" indent="-342900">
               <a:buFont typeface="Arial" panose="020B0604020202020204" pitchFamily="34" charset="0"/>
               <a:buChar char="•"/>
             </a:pPr>
             <a:r>
-              <a:rPr lang="en-US" altLang="ja-JP" sz="2000" dirty="0"/>
-              <a:t>JPEG (*.jpg)</a:t>
-            </a:r>
-          </a:p>
-          <a:p>
-            <a:pPr marL="914400" lvl="1" indent="-457200">
+              <a:rPr lang="en-US" altLang="ja-JP" sz="2400" dirty="0"/>
+              <a:t>STM32F407VGT (Cortex-M4)</a:t>
+            </a:r>
+          </a:p>
+          <a:p>
+            <a:pPr marL="800100" lvl="1" indent="-342900">
               <a:buFont typeface="Arial" panose="020B0604020202020204" pitchFamily="34" charset="0"/>
               <a:buChar char="•"/>
             </a:pPr>
             <a:r>
-              <a:rPr lang="en-US" altLang="ja-JP" sz="2000" dirty="0"/>
-              <a:t>QVGA (320x240)</a:t>
-            </a:r>
-          </a:p>
-          <a:p>
-            <a:pPr marL="914400" lvl="1" indent="-457200">
+              <a:rPr lang="en-US" altLang="ja-JP" sz="2400" dirty="0"/>
+              <a:t>1-Mbyte Flash memory</a:t>
+            </a:r>
+          </a:p>
+          <a:p>
+            <a:pPr marL="800100" lvl="1" indent="-342900">
               <a:buFont typeface="Arial" panose="020B0604020202020204" pitchFamily="34" charset="0"/>
               <a:buChar char="•"/>
             </a:pPr>
-            <a:endParaRPr lang="en-US" altLang="ja-JP" sz="2000" dirty="0"/>
-          </a:p>
+            <a:r>
+              <a:rPr lang="en-US" altLang="ja-JP" sz="2400" dirty="0"/>
+              <a:t>192-Kbyte RAM</a:t>
+            </a:r>
+          </a:p>
+        </p:txBody>
+      </p:sp>
+      <p:pic>
+        <p:nvPicPr>
+          <p:cNvPr id="7" name="図 6">
+            <a:extLst>
+              <a:ext uri="{FF2B5EF4-FFF2-40B4-BE49-F238E27FC236}">
+                <a16:creationId xmlns:a16="http://schemas.microsoft.com/office/drawing/2014/main" id="{DA9C1679-CC2A-41D8-A9B9-CFEAC21CA235}"/>
+              </a:ext>
+            </a:extLst>
+          </p:cNvPr>
+          <p:cNvPicPr>
+            <a:picLocks noChangeAspect="1"/>
+          </p:cNvPicPr>
+          <p:nvPr/>
+        </p:nvPicPr>
+        <p:blipFill>
+          <a:blip r:embed="rId3">
+            <a:extLst>
+              <a:ext uri="{28A0092B-C50C-407E-A947-70E740481C1C}">
+                <a14:useLocalDpi xmlns:a14="http://schemas.microsoft.com/office/drawing/2010/main" val="0"/>
+              </a:ext>
+            </a:extLst>
+          </a:blip>
+          <a:stretch>
+            <a:fillRect/>
+          </a:stretch>
+        </p:blipFill>
+        <p:spPr>
+          <a:xfrm>
+            <a:off x="5215306" y="1677809"/>
+            <a:ext cx="2381250" cy="1905000"/>
+          </a:xfrm>
+          <a:prstGeom prst="rect">
+            <a:avLst/>
+          </a:prstGeom>
+        </p:spPr>
+      </p:pic>
+      <p:sp>
+        <p:nvSpPr>
+          <p:cNvPr id="8" name="テキスト ボックス 7">
+            <a:extLst>
+              <a:ext uri="{FF2B5EF4-FFF2-40B4-BE49-F238E27FC236}">
+                <a16:creationId xmlns:a16="http://schemas.microsoft.com/office/drawing/2014/main" id="{04480F88-0B4D-47D3-9353-705FD92A1AD4}"/>
+              </a:ext>
+            </a:extLst>
+          </p:cNvPr>
+          <p:cNvSpPr txBox="1"/>
+          <p:nvPr/>
+        </p:nvSpPr>
+        <p:spPr>
+          <a:xfrm>
+            <a:off x="5012268" y="4137554"/>
+            <a:ext cx="3512896" cy="1938992"/>
+          </a:xfrm>
+          <a:prstGeom prst="rect">
+            <a:avLst/>
+          </a:prstGeom>
+          <a:noFill/>
+        </p:spPr>
+        <p:txBody>
+          <a:bodyPr wrap="square" rtlCol="0">
+            <a:spAutoFit/>
+          </a:bodyPr>
+          <a:lstStyle/>
           <a:p>
             <a:pPr marL="285750" indent="-285750">
               <a:buFont typeface="Wingdings" panose="05000000000000000000" pitchFamily="2" charset="2"/>
               <a:buChar char="Ø"/>
             </a:pPr>
             <a:r>
-              <a:rPr kumimoji="1" lang="en-US" altLang="ja-JP" sz="2000" b="1" dirty="0">
+              <a:rPr lang="en-US" altLang="ja-JP" sz="2400" dirty="0">
                 <a:solidFill>
                   <a:srgbClr val="0000FF"/>
                 </a:solidFill>
               </a:rPr>
-              <a:t>Movie record</a:t>
-            </a:r>
-          </a:p>
-          <a:p>
-            <a:pPr marL="914400" lvl="1" indent="-457200">
+              <a:t>Display module</a:t>
+            </a:r>
+          </a:p>
+          <a:p>
+            <a:pPr marL="800100" lvl="1" indent="-342900">
               <a:buFont typeface="Arial" panose="020B0604020202020204" pitchFamily="34" charset="0"/>
               <a:buChar char="•"/>
             </a:pPr>
             <a:r>
-              <a:rPr lang="en-US" altLang="ja-JP" sz="2000" dirty="0"/>
-              <a:t>Motion JPEG (*.</a:t>
-            </a:r>
-            <a:r>
-              <a:rPr lang="en-US" altLang="ja-JP" sz="2000" dirty="0" err="1"/>
-              <a:t>avi</a:t>
-            </a:r>
-            <a:r>
-              <a:rPr lang="en-US" altLang="ja-JP" sz="2000" dirty="0"/>
-              <a:t>)</a:t>
-            </a:r>
-          </a:p>
-          <a:p>
-            <a:pPr marL="914400" lvl="1" indent="-457200">
+              <a:rPr lang="en-US" altLang="ja-JP" sz="2400" dirty="0"/>
+              <a:t>3.2 inch LCD</a:t>
+            </a:r>
+          </a:p>
+          <a:p>
+            <a:pPr marL="800100" lvl="1" indent="-342900">
               <a:buFont typeface="Arial" panose="020B0604020202020204" pitchFamily="34" charset="0"/>
               <a:buChar char="•"/>
             </a:pPr>
             <a:r>
-              <a:rPr lang="en-US" altLang="ja-JP" sz="2000" dirty="0"/>
-              <a:t>QVGA (320x240)</a:t>
-            </a:r>
-          </a:p>
-          <a:p>
-            <a:pPr marL="914400" lvl="1" indent="-457200">
+              <a:rPr lang="en-US" altLang="ja-JP" sz="2400" dirty="0"/>
+              <a:t>ILI9341 controller</a:t>
+            </a:r>
+          </a:p>
+          <a:p>
+            <a:pPr marL="800100" lvl="1" indent="-342900">
               <a:buFont typeface="Arial" panose="020B0604020202020204" pitchFamily="34" charset="0"/>
               <a:buChar char="•"/>
             </a:pPr>
             <a:r>
-              <a:rPr lang="en-US" altLang="ja-JP" sz="2000" dirty="0"/>
-              <a:t>Around 5 fps</a:t>
-            </a:r>
-          </a:p>
-          <a:p>
-            <a:pPr marL="914400" lvl="1" indent="-457200">
+              <a:rPr lang="en-US" altLang="ja-JP" sz="2400" dirty="0"/>
+              <a:t>16-bit parallel I/F</a:t>
+            </a:r>
+          </a:p>
+          <a:p>
+            <a:pPr marL="800100" lvl="1" indent="-342900">
               <a:buFont typeface="Arial" panose="020B0604020202020204" pitchFamily="34" charset="0"/>
               <a:buChar char="•"/>
             </a:pPr>
-            <a:endParaRPr lang="en-US" altLang="ja-JP" sz="2000" dirty="0"/>
-          </a:p>
+            <a:r>
+              <a:rPr lang="en-US" altLang="ja-JP" sz="2400" dirty="0"/>
+              <a:t>SD Card socket</a:t>
+            </a:r>
+          </a:p>
+        </p:txBody>
+      </p:sp>
+      <p:pic>
+        <p:nvPicPr>
+          <p:cNvPr id="9" name="図 8">
+            <a:extLst>
+              <a:ext uri="{FF2B5EF4-FFF2-40B4-BE49-F238E27FC236}">
+                <a16:creationId xmlns:a16="http://schemas.microsoft.com/office/drawing/2014/main" id="{DEFA21F4-A4AD-4B6A-971D-260A7E1EF0DB}"/>
+              </a:ext>
+            </a:extLst>
+          </p:cNvPr>
+          <p:cNvPicPr>
+            <a:picLocks noChangeAspect="1"/>
+          </p:cNvPicPr>
+          <p:nvPr/>
+        </p:nvPicPr>
+        <p:blipFill>
+          <a:blip r:embed="rId4"/>
+          <a:stretch>
+            <a:fillRect/>
+          </a:stretch>
+        </p:blipFill>
+        <p:spPr>
+          <a:xfrm>
+            <a:off x="8986055" y="1298221"/>
+            <a:ext cx="2563813" cy="2276984"/>
+          </a:xfrm>
+          <a:prstGeom prst="rect">
+            <a:avLst/>
+          </a:prstGeom>
+        </p:spPr>
+      </p:pic>
+      <p:sp>
+        <p:nvSpPr>
+          <p:cNvPr id="10" name="テキスト ボックス 9">
+            <a:extLst>
+              <a:ext uri="{FF2B5EF4-FFF2-40B4-BE49-F238E27FC236}">
+                <a16:creationId xmlns:a16="http://schemas.microsoft.com/office/drawing/2014/main" id="{76FC0B9F-7CDB-454A-BF0C-4D87640D40AF}"/>
+              </a:ext>
+            </a:extLst>
+          </p:cNvPr>
+          <p:cNvSpPr txBox="1"/>
+          <p:nvPr/>
+        </p:nvSpPr>
+        <p:spPr>
+          <a:xfrm>
+            <a:off x="8426642" y="4070008"/>
+            <a:ext cx="3512896" cy="1200329"/>
+          </a:xfrm>
+          <a:prstGeom prst="rect">
+            <a:avLst/>
+          </a:prstGeom>
+          <a:noFill/>
+        </p:spPr>
+        <p:txBody>
+          <a:bodyPr wrap="square" rtlCol="0">
+            <a:spAutoFit/>
+          </a:bodyPr>
+          <a:lstStyle/>
           <a:p>
             <a:pPr marL="285750" indent="-285750">
               <a:buFont typeface="Wingdings" panose="05000000000000000000" pitchFamily="2" charset="2"/>
               <a:buChar char="Ø"/>
             </a:pPr>
             <a:r>
-              <a:rPr lang="en-US" altLang="ja-JP" sz="2000" b="1" dirty="0">
+              <a:rPr lang="en-US" altLang="ja-JP" sz="2400" dirty="0">
                 <a:solidFill>
                   <a:srgbClr val="0000FF"/>
                 </a:solidFill>
               </a:rPr>
-              <a:t>Playback</a:t>
+              <a:t>Camera module</a:t>
             </a:r>
           </a:p>
           <a:p>
@@ -48523,8 +48779,8 @@
               <a:buChar char="•"/>
             </a:pPr>
             <a:r>
-              <a:rPr lang="en-US" altLang="ja-JP" sz="2000" dirty="0"/>
-              <a:t>JPEG (up to 2560x1920)</a:t>
+              <a:rPr lang="en-US" altLang="ja-JP" sz="2400" dirty="0"/>
+              <a:t>OV7670</a:t>
             </a:r>
           </a:p>
           <a:p>
@@ -48533,45 +48789,8 @@
               <a:buChar char="•"/>
             </a:pPr>
             <a:r>
-              <a:rPr lang="en-US" altLang="ja-JP" sz="2000" dirty="0"/>
-              <a:t>RGB565 (320x240)</a:t>
-            </a:r>
-          </a:p>
-          <a:p>
-            <a:pPr marL="800100" lvl="1" indent="-342900">
-              <a:buFont typeface="Arial" panose="020B0604020202020204" pitchFamily="34" charset="0"/>
-              <a:buChar char="•"/>
-            </a:pPr>
-            <a:r>
-              <a:rPr lang="en-US" altLang="ja-JP" sz="2000" dirty="0"/>
-              <a:t>Motion JPEG (around 10 fps)</a:t>
-            </a:r>
-          </a:p>
-          <a:p>
-            <a:pPr marL="342900" indent="-342900">
-              <a:buFont typeface="Arial" panose="020B0604020202020204" pitchFamily="34" charset="0"/>
-              <a:buChar char="•"/>
-            </a:pPr>
-            <a:endParaRPr lang="en-US" altLang="ja-JP" sz="2000" dirty="0"/>
-          </a:p>
-          <a:p>
-            <a:pPr marL="342900" indent="-342900">
-              <a:buFont typeface="Arial" panose="020B0604020202020204" pitchFamily="34" charset="0"/>
-              <a:buChar char="•"/>
-            </a:pPr>
-            <a:r>
-              <a:rPr lang="en-US" altLang="ja-JP" sz="2000" dirty="0"/>
-              <a:t>Media</a:t>
-            </a:r>
-          </a:p>
-          <a:p>
-            <a:pPr marL="800100" lvl="1" indent="-342900">
-              <a:buFont typeface="Arial" panose="020B0604020202020204" pitchFamily="34" charset="0"/>
-              <a:buChar char="•"/>
-            </a:pPr>
-            <a:r>
-              <a:rPr lang="en-US" altLang="ja-JP" sz="2000" dirty="0"/>
-              <a:t>SD Card (FAT32 format only?,  8GB ~ 16GB of SD card works well)</a:t>
+              <a:rPr lang="en-US" altLang="ja-JP" sz="2400" dirty="0"/>
+              <a:t>Without FIFO</a:t>
             </a:r>
           </a:p>
         </p:txBody>
@@ -48579,7 +48798,7 @@
     </p:spTree>
     <p:extLst>
       <p:ext uri="{BB962C8B-B14F-4D97-AF65-F5344CB8AC3E}">
-        <p14:creationId xmlns:p14="http://schemas.microsoft.com/office/powerpoint/2010/main" val="1289411499"/>
+        <p14:creationId xmlns:p14="http://schemas.microsoft.com/office/powerpoint/2010/main" val="265584121"/>
       </p:ext>
     </p:extLst>
   </p:cSld>
@@ -48606,36 +48825,6 @@
           <a:chExt cx="0" cy="0"/>
         </a:xfrm>
       </p:grpSpPr>
-      <p:pic>
-        <p:nvPicPr>
-          <p:cNvPr id="11" name="図 10">
-            <a:extLst>
-              <a:ext uri="{FF2B5EF4-FFF2-40B4-BE49-F238E27FC236}">
-                <a16:creationId xmlns:a16="http://schemas.microsoft.com/office/drawing/2014/main" id="{70BCABE1-4D6F-40D2-9594-017A760F007C}"/>
-              </a:ext>
-            </a:extLst>
-          </p:cNvPr>
-          <p:cNvPicPr>
-            <a:picLocks noChangeAspect="1"/>
-          </p:cNvPicPr>
-          <p:nvPr/>
-        </p:nvPicPr>
-        <p:blipFill>
-          <a:blip r:embed="rId2"/>
-          <a:stretch>
-            <a:fillRect/>
-          </a:stretch>
-        </p:blipFill>
-        <p:spPr>
-          <a:xfrm>
-            <a:off x="92506" y="1639668"/>
-            <a:ext cx="7151549" cy="4022746"/>
-          </a:xfrm>
-          <a:prstGeom prst="rect">
-            <a:avLst/>
-          </a:prstGeom>
-        </p:spPr>
-      </p:pic>
       <p:sp>
         <p:nvSpPr>
           <p:cNvPr id="2" name="タイトル 1">
@@ -48669,7 +48858,7 @@
                 <a:latin typeface="ＭＳ Ｐゴシック" panose="020B0600070205080204" pitchFamily="50" charset="-128"/>
                 <a:ea typeface="ＭＳ Ｐゴシック" panose="020B0600070205080204" pitchFamily="50" charset="-128"/>
               </a:rPr>
-              <a:t>Control</a:t>
+              <a:t>Specifications</a:t>
             </a:r>
             <a:endParaRPr kumimoji="1" lang="ja-JP" altLang="en-US" dirty="0">
               <a:latin typeface="ＭＳ Ｐゴシック" panose="020B0600070205080204" pitchFamily="50" charset="-128"/>
@@ -48680,297 +48869,200 @@
       </p:sp>
       <p:sp>
         <p:nvSpPr>
-          <p:cNvPr id="5" name="吹き出し: 折線 4">
-            <a:extLst>
-              <a:ext uri="{FF2B5EF4-FFF2-40B4-BE49-F238E27FC236}">
-                <a16:creationId xmlns:a16="http://schemas.microsoft.com/office/drawing/2014/main" id="{D007FAFA-5EED-40D4-8613-6523F4B481DF}"/>
-              </a:ext>
-            </a:extLst>
-          </p:cNvPr>
-          <p:cNvSpPr/>
-          <p:nvPr/>
-        </p:nvSpPr>
-        <p:spPr>
-          <a:xfrm>
-            <a:off x="5312849" y="1030859"/>
-            <a:ext cx="1355629" cy="461665"/>
-          </a:xfrm>
-          <a:prstGeom prst="borderCallout2">
-            <a:avLst>
-              <a:gd name="adj1" fmla="val 18750"/>
-              <a:gd name="adj2" fmla="val -8333"/>
-              <a:gd name="adj3" fmla="val 18750"/>
-              <a:gd name="adj4" fmla="val -16667"/>
-              <a:gd name="adj5" fmla="val 210667"/>
-              <a:gd name="adj6" fmla="val -59639"/>
-            </a:avLst>
-          </a:prstGeom>
-          <a:ln w="38100">
-            <a:solidFill>
-              <a:schemeClr val="accent1"/>
-            </a:solidFill>
-          </a:ln>
-        </p:spPr>
-        <p:style>
-          <a:lnRef idx="2">
-            <a:schemeClr val="accent1">
-              <a:shade val="50000"/>
-            </a:schemeClr>
-          </a:lnRef>
-          <a:fillRef idx="1">
-            <a:schemeClr val="accent1"/>
-          </a:fillRef>
-          <a:effectRef idx="0">
-            <a:schemeClr val="accent1"/>
-          </a:effectRef>
-          <a:fontRef idx="minor">
-            <a:schemeClr val="lt1"/>
-          </a:fontRef>
-        </p:style>
-        <p:txBody>
-          <a:bodyPr rtlCol="0" anchor="ctr">
+          <p:cNvPr id="3" name="テキスト ボックス 2">
+            <a:extLst>
+              <a:ext uri="{FF2B5EF4-FFF2-40B4-BE49-F238E27FC236}">
+                <a16:creationId xmlns:a16="http://schemas.microsoft.com/office/drawing/2014/main" id="{0704AA90-EA6A-4984-A109-4842D269A7DC}"/>
+              </a:ext>
+            </a:extLst>
+          </p:cNvPr>
+          <p:cNvSpPr txBox="1"/>
+          <p:nvPr/>
+        </p:nvSpPr>
+        <p:spPr>
+          <a:xfrm>
+            <a:off x="1293090" y="1182253"/>
+            <a:ext cx="8608291" cy="5016758"/>
+          </a:xfrm>
+          <a:prstGeom prst="rect">
+            <a:avLst/>
+          </a:prstGeom>
+          <a:noFill/>
+        </p:spPr>
+        <p:txBody>
+          <a:bodyPr wrap="square" rtlCol="0">
             <a:spAutoFit/>
           </a:bodyPr>
           <a:lstStyle/>
           <a:p>
-            <a:r>
-              <a:rPr lang="en-US" altLang="ja-JP" sz="2400" dirty="0"/>
-              <a:t>SD Card</a:t>
-            </a:r>
-            <a:endParaRPr kumimoji="1" lang="ja-JP" altLang="en-US" sz="2400" dirty="0"/>
-          </a:p>
-        </p:txBody>
-      </p:sp>
-      <p:sp>
-        <p:nvSpPr>
-          <p:cNvPr id="6" name="吹き出し: 折線 5">
-            <a:extLst>
-              <a:ext uri="{FF2B5EF4-FFF2-40B4-BE49-F238E27FC236}">
-                <a16:creationId xmlns:a16="http://schemas.microsoft.com/office/drawing/2014/main" id="{233E1BCF-74EC-4AC2-8039-F1C1C73E2C21}"/>
-              </a:ext>
-            </a:extLst>
-          </p:cNvPr>
-          <p:cNvSpPr/>
-          <p:nvPr/>
-        </p:nvSpPr>
-        <p:spPr>
-          <a:xfrm>
-            <a:off x="8237477" y="1408836"/>
-            <a:ext cx="2092304" cy="461665"/>
-          </a:xfrm>
-          <a:prstGeom prst="borderCallout2">
-            <a:avLst>
-              <a:gd name="adj1" fmla="val 18750"/>
-              <a:gd name="adj2" fmla="val -8333"/>
-              <a:gd name="adj3" fmla="val 18750"/>
-              <a:gd name="adj4" fmla="val -16667"/>
-              <a:gd name="adj5" fmla="val 376069"/>
-              <a:gd name="adj6" fmla="val -107505"/>
-            </a:avLst>
-          </a:prstGeom>
-          <a:ln w="38100">
-            <a:solidFill>
-              <a:schemeClr val="accent1"/>
-            </a:solidFill>
-          </a:ln>
-        </p:spPr>
-        <p:style>
-          <a:lnRef idx="2">
-            <a:schemeClr val="accent1">
-              <a:shade val="50000"/>
-            </a:schemeClr>
-          </a:lnRef>
-          <a:fillRef idx="1">
-            <a:schemeClr val="accent1"/>
-          </a:fillRef>
-          <a:effectRef idx="0">
-            <a:schemeClr val="accent1"/>
-          </a:effectRef>
-          <a:fontRef idx="minor">
-            <a:schemeClr val="lt1"/>
-          </a:fontRef>
-        </p:style>
-        <p:txBody>
-          <a:bodyPr wrap="none" rtlCol="0" anchor="ctr">
-            <a:spAutoFit/>
-          </a:bodyPr>
-          <a:lstStyle/>
-          <a:p>
-            <a:r>
-              <a:rPr lang="en-US" altLang="ja-JP" sz="2400" dirty="0"/>
-              <a:t>Capture button</a:t>
-            </a:r>
-            <a:endParaRPr kumimoji="1" lang="ja-JP" altLang="en-US" sz="2400" dirty="0"/>
-          </a:p>
-        </p:txBody>
-      </p:sp>
-      <p:sp>
-        <p:nvSpPr>
-          <p:cNvPr id="8" name="吹き出し: 折線 7">
-            <a:extLst>
-              <a:ext uri="{FF2B5EF4-FFF2-40B4-BE49-F238E27FC236}">
-                <a16:creationId xmlns:a16="http://schemas.microsoft.com/office/drawing/2014/main" id="{229E5AF4-7E7A-496B-AB0C-13D0A491B290}"/>
-              </a:ext>
-            </a:extLst>
-          </p:cNvPr>
-          <p:cNvSpPr/>
-          <p:nvPr/>
-        </p:nvSpPr>
-        <p:spPr>
-          <a:xfrm>
-            <a:off x="7881001" y="6046025"/>
-            <a:ext cx="2805255" cy="461665"/>
-          </a:xfrm>
-          <a:prstGeom prst="borderCallout2">
-            <a:avLst>
-              <a:gd name="adj1" fmla="val 18750"/>
-              <a:gd name="adj2" fmla="val -8333"/>
-              <a:gd name="adj3" fmla="val 18750"/>
-              <a:gd name="adj4" fmla="val -16667"/>
-              <a:gd name="adj5" fmla="val -344837"/>
-              <a:gd name="adj6" fmla="val -63817"/>
-            </a:avLst>
-          </a:prstGeom>
-          <a:ln w="38100">
-            <a:solidFill>
-              <a:schemeClr val="accent1"/>
-            </a:solidFill>
-          </a:ln>
-        </p:spPr>
-        <p:style>
-          <a:lnRef idx="2">
-            <a:schemeClr val="accent1">
-              <a:shade val="50000"/>
-            </a:schemeClr>
-          </a:lnRef>
-          <a:fillRef idx="1">
-            <a:schemeClr val="accent1"/>
-          </a:fillRef>
-          <a:effectRef idx="0">
-            <a:schemeClr val="accent1"/>
-          </a:effectRef>
-          <a:fontRef idx="minor">
-            <a:schemeClr val="lt1"/>
-          </a:fontRef>
-        </p:style>
-        <p:txBody>
-          <a:bodyPr wrap="none" rtlCol="0" anchor="ctr">
-            <a:spAutoFit/>
-          </a:bodyPr>
-          <a:lstStyle/>
-          <a:p>
-            <a:r>
-              <a:rPr lang="en-US" altLang="ja-JP" sz="2400" dirty="0"/>
-              <a:t>Mode change button</a:t>
-            </a:r>
-            <a:endParaRPr kumimoji="1" lang="ja-JP" altLang="en-US" sz="2400" dirty="0"/>
-          </a:p>
-        </p:txBody>
-      </p:sp>
-      <p:sp>
-        <p:nvSpPr>
-          <p:cNvPr id="9" name="吹き出し: 折線 8">
-            <a:extLst>
-              <a:ext uri="{FF2B5EF4-FFF2-40B4-BE49-F238E27FC236}">
-                <a16:creationId xmlns:a16="http://schemas.microsoft.com/office/drawing/2014/main" id="{84FEDA93-9A96-4DF3-8A6D-71B8E72787EE}"/>
-              </a:ext>
-            </a:extLst>
-          </p:cNvPr>
-          <p:cNvSpPr/>
-          <p:nvPr/>
-        </p:nvSpPr>
-        <p:spPr>
-          <a:xfrm>
-            <a:off x="8146196" y="2562264"/>
-            <a:ext cx="3788088" cy="1938992"/>
-          </a:xfrm>
-          <a:prstGeom prst="borderCallout2">
-            <a:avLst>
-              <a:gd name="adj1" fmla="val 18750"/>
-              <a:gd name="adj2" fmla="val -8333"/>
-              <a:gd name="adj3" fmla="val 18750"/>
-              <a:gd name="adj4" fmla="val -16667"/>
-              <a:gd name="adj5" fmla="val 62780"/>
-              <a:gd name="adj6" fmla="val -59093"/>
-            </a:avLst>
-          </a:prstGeom>
-          <a:ln w="38100">
-            <a:solidFill>
-              <a:schemeClr val="accent1"/>
-            </a:solidFill>
-          </a:ln>
-        </p:spPr>
-        <p:style>
-          <a:lnRef idx="2">
-            <a:schemeClr val="accent1">
-              <a:shade val="50000"/>
-            </a:schemeClr>
-          </a:lnRef>
-          <a:fillRef idx="1">
-            <a:schemeClr val="accent1"/>
-          </a:fillRef>
-          <a:effectRef idx="0">
-            <a:schemeClr val="accent1"/>
-          </a:effectRef>
-          <a:fontRef idx="minor">
-            <a:schemeClr val="lt1"/>
-          </a:fontRef>
-        </p:style>
-        <p:txBody>
-          <a:bodyPr wrap="none" rtlCol="0" anchor="ctr">
-            <a:spAutoFit/>
-          </a:bodyPr>
-          <a:lstStyle/>
-          <a:p>
-            <a:r>
-              <a:rPr lang="en-US" altLang="ja-JP" sz="2400" dirty="0"/>
-              <a:t>Button</a:t>
-            </a:r>
-          </a:p>
-          <a:p>
-            <a:r>
-              <a:rPr lang="en-US" altLang="ja-JP" dirty="0"/>
-              <a:t>    Movie Record @ </a:t>
-            </a:r>
-            <a:r>
-              <a:rPr lang="en-US" altLang="ja-JP" dirty="0" err="1"/>
-              <a:t>Liveview</a:t>
-            </a:r>
-            <a:r>
-              <a:rPr lang="en-US" altLang="ja-JP" dirty="0"/>
-              <a:t> mode</a:t>
-            </a:r>
-          </a:p>
-          <a:p>
-            <a:r>
-              <a:rPr lang="en-US" altLang="ja-JP" dirty="0"/>
-              <a:t>    Movie Play/Pause @ Playback mode</a:t>
-            </a:r>
-          </a:p>
-          <a:p>
-            <a:r>
-              <a:rPr lang="en-US" altLang="ja-JP" sz="2400" dirty="0"/>
-              <a:t>Dial</a:t>
-            </a:r>
-          </a:p>
-          <a:p>
-            <a:r>
-              <a:rPr lang="en-US" altLang="ja-JP" dirty="0"/>
-              <a:t>   JPEG Quality @ </a:t>
-            </a:r>
-            <a:r>
-              <a:rPr lang="en-US" altLang="ja-JP" dirty="0" err="1"/>
-              <a:t>Liveview</a:t>
-            </a:r>
-            <a:r>
-              <a:rPr lang="en-US" altLang="ja-JP" dirty="0"/>
-              <a:t> mode</a:t>
-            </a:r>
-          </a:p>
-          <a:p>
-            <a:r>
-              <a:rPr lang="en-US" altLang="ja-JP" dirty="0"/>
-              <a:t>   Next content @ Playback mode</a:t>
+            <a:pPr marL="285750" indent="-285750">
+              <a:buFont typeface="Wingdings" panose="05000000000000000000" pitchFamily="2" charset="2"/>
+              <a:buChar char="Ø"/>
+            </a:pPr>
+            <a:r>
+              <a:rPr lang="en-US" altLang="ja-JP" sz="2000" b="1" dirty="0">
+                <a:solidFill>
+                  <a:srgbClr val="0000FF"/>
+                </a:solidFill>
+              </a:rPr>
+              <a:t>Still photo capture</a:t>
+            </a:r>
+          </a:p>
+          <a:p>
+            <a:pPr marL="914400" lvl="1" indent="-457200">
+              <a:buFont typeface="Arial" panose="020B0604020202020204" pitchFamily="34" charset="0"/>
+              <a:buChar char="•"/>
+            </a:pPr>
+            <a:r>
+              <a:rPr lang="en-US" altLang="ja-JP" sz="2000" dirty="0"/>
+              <a:t>JPEG (*.jpg)</a:t>
+            </a:r>
+          </a:p>
+          <a:p>
+            <a:pPr marL="914400" lvl="1" indent="-457200">
+              <a:buFont typeface="Arial" panose="020B0604020202020204" pitchFamily="34" charset="0"/>
+              <a:buChar char="•"/>
+            </a:pPr>
+            <a:r>
+              <a:rPr lang="en-US" altLang="ja-JP" sz="2000" dirty="0"/>
+              <a:t>QVGA (320x240)</a:t>
+            </a:r>
+          </a:p>
+          <a:p>
+            <a:pPr marL="914400" lvl="1" indent="-457200">
+              <a:buFont typeface="Arial" panose="020B0604020202020204" pitchFamily="34" charset="0"/>
+              <a:buChar char="•"/>
+            </a:pPr>
+            <a:endParaRPr lang="en-US" altLang="ja-JP" sz="2000" dirty="0"/>
+          </a:p>
+          <a:p>
+            <a:pPr marL="285750" indent="-285750">
+              <a:buFont typeface="Wingdings" panose="05000000000000000000" pitchFamily="2" charset="2"/>
+              <a:buChar char="Ø"/>
+            </a:pPr>
+            <a:r>
+              <a:rPr kumimoji="1" lang="en-US" altLang="ja-JP" sz="2000" b="1" dirty="0">
+                <a:solidFill>
+                  <a:srgbClr val="0000FF"/>
+                </a:solidFill>
+              </a:rPr>
+              <a:t>Movie record</a:t>
+            </a:r>
+          </a:p>
+          <a:p>
+            <a:pPr marL="914400" lvl="1" indent="-457200">
+              <a:buFont typeface="Arial" panose="020B0604020202020204" pitchFamily="34" charset="0"/>
+              <a:buChar char="•"/>
+            </a:pPr>
+            <a:r>
+              <a:rPr lang="en-US" altLang="ja-JP" sz="2000" dirty="0"/>
+              <a:t>Motion JPEG (*.</a:t>
+            </a:r>
+            <a:r>
+              <a:rPr lang="en-US" altLang="ja-JP" sz="2000" dirty="0" err="1"/>
+              <a:t>avi</a:t>
+            </a:r>
+            <a:r>
+              <a:rPr lang="en-US" altLang="ja-JP" sz="2000" dirty="0"/>
+              <a:t>)</a:t>
+            </a:r>
+          </a:p>
+          <a:p>
+            <a:pPr marL="914400" lvl="1" indent="-457200">
+              <a:buFont typeface="Arial" panose="020B0604020202020204" pitchFamily="34" charset="0"/>
+              <a:buChar char="•"/>
+            </a:pPr>
+            <a:r>
+              <a:rPr lang="en-US" altLang="ja-JP" sz="2000" dirty="0"/>
+              <a:t>QVGA (320x240)</a:t>
+            </a:r>
+          </a:p>
+          <a:p>
+            <a:pPr marL="914400" lvl="1" indent="-457200">
+              <a:buFont typeface="Arial" panose="020B0604020202020204" pitchFamily="34" charset="0"/>
+              <a:buChar char="•"/>
+            </a:pPr>
+            <a:r>
+              <a:rPr lang="en-US" altLang="ja-JP" sz="2000" dirty="0"/>
+              <a:t>Around 5 fps</a:t>
+            </a:r>
+          </a:p>
+          <a:p>
+            <a:pPr marL="914400" lvl="1" indent="-457200">
+              <a:buFont typeface="Arial" panose="020B0604020202020204" pitchFamily="34" charset="0"/>
+              <a:buChar char="•"/>
+            </a:pPr>
+            <a:endParaRPr lang="en-US" altLang="ja-JP" sz="2000" dirty="0"/>
+          </a:p>
+          <a:p>
+            <a:pPr marL="285750" indent="-285750">
+              <a:buFont typeface="Wingdings" panose="05000000000000000000" pitchFamily="2" charset="2"/>
+              <a:buChar char="Ø"/>
+            </a:pPr>
+            <a:r>
+              <a:rPr lang="en-US" altLang="ja-JP" sz="2000" b="1" dirty="0">
+                <a:solidFill>
+                  <a:srgbClr val="0000FF"/>
+                </a:solidFill>
+              </a:rPr>
+              <a:t>Playback</a:t>
+            </a:r>
+          </a:p>
+          <a:p>
+            <a:pPr marL="800100" lvl="1" indent="-342900">
+              <a:buFont typeface="Arial" panose="020B0604020202020204" pitchFamily="34" charset="0"/>
+              <a:buChar char="•"/>
+            </a:pPr>
+            <a:r>
+              <a:rPr lang="en-US" altLang="ja-JP" sz="2000" dirty="0"/>
+              <a:t>JPEG (up to 2560x1920)</a:t>
+            </a:r>
+          </a:p>
+          <a:p>
+            <a:pPr marL="800100" lvl="1" indent="-342900">
+              <a:buFont typeface="Arial" panose="020B0604020202020204" pitchFamily="34" charset="0"/>
+              <a:buChar char="•"/>
+            </a:pPr>
+            <a:r>
+              <a:rPr lang="en-US" altLang="ja-JP" sz="2000" dirty="0"/>
+              <a:t>RGB565 (320x240)</a:t>
+            </a:r>
+          </a:p>
+          <a:p>
+            <a:pPr marL="800100" lvl="1" indent="-342900">
+              <a:buFont typeface="Arial" panose="020B0604020202020204" pitchFamily="34" charset="0"/>
+              <a:buChar char="•"/>
+            </a:pPr>
+            <a:r>
+              <a:rPr lang="en-US" altLang="ja-JP" sz="2000" dirty="0"/>
+              <a:t>Motion JPEG (around 10 fps)</a:t>
+            </a:r>
+          </a:p>
+          <a:p>
+            <a:pPr marL="342900" indent="-342900">
+              <a:buFont typeface="Arial" panose="020B0604020202020204" pitchFamily="34" charset="0"/>
+              <a:buChar char="•"/>
+            </a:pPr>
+            <a:endParaRPr lang="en-US" altLang="ja-JP" sz="2000" dirty="0"/>
+          </a:p>
+          <a:p>
+            <a:pPr marL="342900" indent="-342900">
+              <a:buFont typeface="Arial" panose="020B0604020202020204" pitchFamily="34" charset="0"/>
+              <a:buChar char="•"/>
+            </a:pPr>
+            <a:r>
+              <a:rPr lang="en-US" altLang="ja-JP" sz="2000" dirty="0"/>
+              <a:t>Media</a:t>
+            </a:r>
+          </a:p>
+          <a:p>
+            <a:pPr marL="800100" lvl="1" indent="-342900">
+              <a:buFont typeface="Arial" panose="020B0604020202020204" pitchFamily="34" charset="0"/>
+              <a:buChar char="•"/>
+            </a:pPr>
+            <a:r>
+              <a:rPr lang="en-US" altLang="ja-JP" sz="2000" dirty="0"/>
+              <a:t>SD Card (FAT32 format only?,  8GB ~ 16GB of SD card works well)</a:t>
             </a:r>
           </a:p>
         </p:txBody>
@@ -48978,7 +49070,7 @@
     </p:spTree>
     <p:extLst>
       <p:ext uri="{BB962C8B-B14F-4D97-AF65-F5344CB8AC3E}">
-        <p14:creationId xmlns:p14="http://schemas.microsoft.com/office/powerpoint/2010/main" val="3032491083"/>
+        <p14:creationId xmlns:p14="http://schemas.microsoft.com/office/powerpoint/2010/main" val="1289411499"/>
       </p:ext>
     </p:extLst>
   </p:cSld>

--- a/01_doc/DigitalCameraDesignDocument.pptx
+++ b/01_doc/DigitalCameraDesignDocument.pptx
@@ -47997,9 +47997,12 @@
               <a:buChar char="Ø"/>
             </a:pPr>
             <a:r>
-              <a:rPr lang="en-US" altLang="ja-JP" sz="2400" dirty="0"/>
-              <a:t>T.B.D links to YouTube</a:t>
-            </a:r>
+              <a:rPr lang="en-US" altLang="ja-JP" sz="2400" dirty="0">
+                <a:hlinkClick r:id="rId6"/>
+              </a:rPr>
+              <a:t>https://www.youtube.com/watch?v=CgX3bM4v_aU</a:t>
+            </a:r>
+            <a:endParaRPr lang="en-US" altLang="ja-JP" sz="2400" dirty="0"/>
           </a:p>
         </p:txBody>
       </p:sp>
